--- a/PCR_v_PLS_short_v2.pptx
+++ b/PCR_v_PLS_short_v2.pptx
@@ -4597,7 +4597,7 @@
             </a:r>
             <a:r>
               <a:rPr lang="en-US" sz="1200" dirty="0"/>
-              <a:t>Mean (standard deviation where available; PCR algorithms generated no true positives for the BL label in most cases).</a:t>
+              <a:t>Mean (standard deviation where available; PCR methods generated no true positives for the BL label in most cases).</a:t>
             </a:r>
           </a:p>
         </p:txBody>

--- a/PCR_v_PLS_short_v2.pptx
+++ b/PCR_v_PLS_short_v2.pptx
@@ -4402,7 +4402,7 @@
           </a:p>
           <a:p>
             <a:r>
-              <a:rPr lang="en-US" sz="1400" b="1" dirty="0"/>
+              <a:rPr lang="en-US" sz="1600" b="1" dirty="0"/>
               <a:t>Dataset: </a:t>
             </a:r>
           </a:p>
